--- a/Team World Wide.pptx
+++ b/Team World Wide.pptx
@@ -10,6 +10,7 @@
     <p:sldId id="258" r:id="rId4"/>
     <p:sldId id="259" r:id="rId5"/>
     <p:sldId id="260" r:id="rId6"/>
+    <p:sldId id="261" r:id="rId7"/>
   </p:sldIdLst>
   <p:sldSz cx="12192000" cy="6858000"/>
   <p:notesSz cx="6858000" cy="9144000"/>
@@ -4279,7 +4280,7 @@
           </a:bodyPr>
           <a:lstStyle/>
           <a:p>
-            <a:endParaRPr lang="en-US" sz="1800"/>
+            <a:endParaRPr lang="en-US" sz="1800" dirty="0"/>
           </a:p>
         </p:txBody>
       </p:sp>
@@ -4317,6 +4318,108 @@
     <p:extLst>
       <p:ext uri="{BB962C8B-B14F-4D97-AF65-F5344CB8AC3E}">
         <p14:creationId xmlns:p14="http://schemas.microsoft.com/office/powerpoint/2010/main" val="1851976076"/>
+      </p:ext>
+    </p:extLst>
+  </p:cSld>
+  <p:clrMapOvr>
+    <a:masterClrMapping/>
+  </p:clrMapOvr>
+</p:sld>
+</file>
+
+<file path=ppt/slides/slide6.xml><?xml version="1.0" encoding="utf-8"?>
+<p:sld xmlns:a="http://schemas.openxmlformats.org/drawingml/2006/main" xmlns:r="http://schemas.openxmlformats.org/officeDocument/2006/relationships" xmlns:p="http://schemas.openxmlformats.org/presentationml/2006/main">
+  <p:cSld>
+    <p:spTree>
+      <p:nvGrpSpPr>
+        <p:cNvPr id="1" name=""/>
+        <p:cNvGrpSpPr/>
+        <p:nvPr/>
+      </p:nvGrpSpPr>
+      <p:grpSpPr>
+        <a:xfrm>
+          <a:off x="0" y="0"/>
+          <a:ext cx="0" cy="0"/>
+          <a:chOff x="0" y="0"/>
+          <a:chExt cx="0" cy="0"/>
+        </a:xfrm>
+      </p:grpSpPr>
+      <p:sp>
+        <p:nvSpPr>
+          <p:cNvPr id="2" name="Title 1">
+            <a:extLst>
+              <a:ext uri="{FF2B5EF4-FFF2-40B4-BE49-F238E27FC236}">
+                <a16:creationId xmlns:a16="http://schemas.microsoft.com/office/drawing/2014/main" id="{11A79F34-E803-4573-9C5A-027431093565}"/>
+              </a:ext>
+            </a:extLst>
+          </p:cNvPr>
+          <p:cNvSpPr>
+            <a:spLocks noGrp="1"/>
+          </p:cNvSpPr>
+          <p:nvPr>
+            <p:ph type="title"/>
+          </p:nvPr>
+        </p:nvSpPr>
+        <p:spPr/>
+        <p:txBody>
+          <a:bodyPr/>
+          <a:lstStyle/>
+          <a:p>
+            <a:endParaRPr lang="en-US"/>
+          </a:p>
+        </p:txBody>
+      </p:sp>
+      <p:sp>
+        <p:nvSpPr>
+          <p:cNvPr id="3" name="Content Placeholder 2">
+            <a:extLst>
+              <a:ext uri="{FF2B5EF4-FFF2-40B4-BE49-F238E27FC236}">
+                <a16:creationId xmlns:a16="http://schemas.microsoft.com/office/drawing/2014/main" id="{33F26C10-03A1-4D76-B195-1C04947FA627}"/>
+              </a:ext>
+            </a:extLst>
+          </p:cNvPr>
+          <p:cNvSpPr>
+            <a:spLocks noGrp="1"/>
+          </p:cNvSpPr>
+          <p:nvPr>
+            <p:ph idx="1"/>
+          </p:nvPr>
+        </p:nvSpPr>
+        <p:spPr/>
+        <p:txBody>
+          <a:bodyPr/>
+          <a:lstStyle/>
+          <a:p>
+            <a:r>
+              <a:rPr lang="en-US" dirty="0"/>
+              <a:t>Unfortunately, the data is very big and my computer wasn’t able to compiling everything right now to prepare a </a:t>
+            </a:r>
+            <a:r>
+              <a:rPr lang="en-US" dirty="0" err="1"/>
+              <a:t>powerpoint</a:t>
+            </a:r>
+            <a:r>
+              <a:rPr lang="en-US" dirty="0"/>
+              <a:t>.</a:t>
+            </a:r>
+          </a:p>
+          <a:p>
+            <a:r>
+              <a:rPr lang="en-US" dirty="0"/>
+              <a:t>However, some interesting points of analysis is that people on average park for about an hour and people utilize parking meters in the morning more than </a:t>
+            </a:r>
+            <a:r>
+              <a:rPr lang="en-US"/>
+              <a:t>night times.</a:t>
+            </a:r>
+            <a:endParaRPr lang="en-US" dirty="0"/>
+          </a:p>
+        </p:txBody>
+      </p:sp>
+    </p:spTree>
+    <p:extLst>
+      <p:ext uri="{BB962C8B-B14F-4D97-AF65-F5344CB8AC3E}">
+        <p14:creationId xmlns:p14="http://schemas.microsoft.com/office/powerpoint/2010/main" val="1875199235"/>
       </p:ext>
     </p:extLst>
   </p:cSld>

--- a/Team World Wide.pptx
+++ b/Team World Wide.pptx
@@ -4021,7 +4021,7 @@
         <p:spPr/>
         <p:txBody>
           <a:bodyPr>
-            <a:normAutofit fontScale="92500" lnSpcReduction="20000"/>
+            <a:normAutofit fontScale="77500" lnSpcReduction="20000"/>
           </a:bodyPr>
           <a:lstStyle/>
           <a:p>
@@ -4045,7 +4045,7 @@
           <a:p>
             <a:r>
               <a:rPr lang="en-US" dirty="0"/>
-              <a:t>  Some of the estimated costs </a:t>
+              <a:t> Some of the estimated costs </a:t>
             </a:r>
           </a:p>
           <a:p>
@@ -4075,6 +4075,18 @@
               <a:rPr lang="en-US" dirty="0"/>
               <a:t>* carbon footprint</a:t>
             </a:r>
+          </a:p>
+          <a:p>
+            <a:endParaRPr lang="en-US" dirty="0"/>
+          </a:p>
+          <a:p>
+            <a:r>
+              <a:rPr lang="en-US" dirty="0"/>
+              <a:t>We also wanted people to use the application for checking which street parking spaces were available.</a:t>
+            </a:r>
+          </a:p>
+          <a:p>
+            <a:endParaRPr lang="en-US" dirty="0"/>
           </a:p>
           <a:p>
             <a:endParaRPr lang="en-US" dirty="0"/>
@@ -4392,7 +4404,7 @@
           <a:p>
             <a:r>
               <a:rPr lang="en-US" dirty="0"/>
-              <a:t>Unfortunately, the data is very big and my computer wasn’t able to compiling everything right now to prepare a </a:t>
+              <a:t>Unfortunately, the data is very big and my computer wasn’t able to compile everything right now to prepare a </a:t>
             </a:r>
             <a:r>
               <a:rPr lang="en-US" dirty="0" err="1"/>
@@ -4406,11 +4418,17 @@
           <a:p>
             <a:r>
               <a:rPr lang="en-US" dirty="0"/>
-              <a:t>However, some interesting points of analysis is that people on average park for about an hour and people utilize parking meters in the morning more than </a:t>
-            </a:r>
-            <a:r>
-              <a:rPr lang="en-US"/>
-              <a:t>night times.</a:t>
+              <a:t>However, some interesting points of analysis is that people on average park for about an hour and people utilize parking meters in the morning more than night times. </a:t>
+            </a:r>
+          </a:p>
+          <a:p>
+            <a:r>
+              <a:rPr lang="en-US" dirty="0"/>
+              <a:t>Using this, we may be able to exponentialize pricing or reduce max parking times to create a </a:t>
+            </a:r>
+            <a:r>
+              <a:rPr lang="en-US"/>
+              <a:t>better flow.</a:t>
             </a:r>
             <a:endParaRPr lang="en-US" dirty="0"/>
           </a:p>

--- a/Team World Wide.pptx
+++ b/Team World Wide.pptx
@@ -10,7 +10,9 @@
     <p:sldId id="258" r:id="rId4"/>
     <p:sldId id="259" r:id="rId5"/>
     <p:sldId id="260" r:id="rId6"/>
-    <p:sldId id="261" r:id="rId7"/>
+    <p:sldId id="263" r:id="rId7"/>
+    <p:sldId id="262" r:id="rId8"/>
+    <p:sldId id="261" r:id="rId9"/>
   </p:sldIdLst>
   <p:sldSz cx="12192000" cy="6858000"/>
   <p:notesSz cx="6858000" cy="9144000"/>
@@ -4361,6 +4363,237 @@
           <p:cNvPr id="2" name="Title 1">
             <a:extLst>
               <a:ext uri="{FF2B5EF4-FFF2-40B4-BE49-F238E27FC236}">
+                <a16:creationId xmlns:a16="http://schemas.microsoft.com/office/drawing/2014/main" id="{38E5D86F-AC4A-47E2-BEEB-5362C7BBA2DE}"/>
+              </a:ext>
+            </a:extLst>
+          </p:cNvPr>
+          <p:cNvSpPr>
+            <a:spLocks noGrp="1"/>
+          </p:cNvSpPr>
+          <p:nvPr>
+            <p:ph type="title"/>
+          </p:nvPr>
+        </p:nvSpPr>
+        <p:spPr/>
+        <p:txBody>
+          <a:bodyPr/>
+          <a:lstStyle/>
+          <a:p>
+            <a:endParaRPr lang="en-US"/>
+          </a:p>
+        </p:txBody>
+      </p:sp>
+      <p:pic>
+        <p:nvPicPr>
+          <p:cNvPr id="4" name="Content Placeholder 3">
+            <a:extLst>
+              <a:ext uri="{FF2B5EF4-FFF2-40B4-BE49-F238E27FC236}">
+                <a16:creationId xmlns:a16="http://schemas.microsoft.com/office/drawing/2014/main" id="{FC340D06-067F-45A5-A27D-1BD54C2CFDF1}"/>
+              </a:ext>
+            </a:extLst>
+          </p:cNvPr>
+          <p:cNvPicPr>
+            <a:picLocks noGrp="1" noChangeAspect="1"/>
+          </p:cNvPicPr>
+          <p:nvPr>
+            <p:ph idx="1"/>
+          </p:nvPr>
+        </p:nvPicPr>
+        <p:blipFill>
+          <a:blip r:embed="rId2"/>
+          <a:stretch>
+            <a:fillRect/>
+          </a:stretch>
+        </p:blipFill>
+        <p:spPr>
+          <a:xfrm>
+            <a:off x="2499819" y="1825625"/>
+            <a:ext cx="7192361" cy="4351338"/>
+          </a:xfrm>
+          <a:prstGeom prst="rect">
+            <a:avLst/>
+          </a:prstGeom>
+        </p:spPr>
+      </p:pic>
+    </p:spTree>
+    <p:extLst>
+      <p:ext uri="{BB962C8B-B14F-4D97-AF65-F5344CB8AC3E}">
+        <p14:creationId xmlns:p14="http://schemas.microsoft.com/office/powerpoint/2010/main" val="2252355340"/>
+      </p:ext>
+    </p:extLst>
+  </p:cSld>
+  <p:clrMapOvr>
+    <a:masterClrMapping/>
+  </p:clrMapOvr>
+</p:sld>
+</file>
+
+<file path=ppt/slides/slide7.xml><?xml version="1.0" encoding="utf-8"?>
+<p:sld xmlns:a="http://schemas.openxmlformats.org/drawingml/2006/main" xmlns:r="http://schemas.openxmlformats.org/officeDocument/2006/relationships" xmlns:p="http://schemas.openxmlformats.org/presentationml/2006/main">
+  <p:cSld>
+    <p:spTree>
+      <p:nvGrpSpPr>
+        <p:cNvPr id="1" name=""/>
+        <p:cNvGrpSpPr/>
+        <p:nvPr/>
+      </p:nvGrpSpPr>
+      <p:grpSpPr>
+        <a:xfrm>
+          <a:off x="0" y="0"/>
+          <a:ext cx="0" cy="0"/>
+          <a:chOff x="0" y="0"/>
+          <a:chExt cx="0" cy="0"/>
+        </a:xfrm>
+      </p:grpSpPr>
+      <p:sp>
+        <p:nvSpPr>
+          <p:cNvPr id="2" name="Title 1">
+            <a:extLst>
+              <a:ext uri="{FF2B5EF4-FFF2-40B4-BE49-F238E27FC236}">
+                <a16:creationId xmlns:a16="http://schemas.microsoft.com/office/drawing/2014/main" id="{75EE8B24-AB6E-419C-AD0F-ED9FC2DE9229}"/>
+              </a:ext>
+            </a:extLst>
+          </p:cNvPr>
+          <p:cNvSpPr>
+            <a:spLocks noGrp="1"/>
+          </p:cNvSpPr>
+          <p:nvPr>
+            <p:ph type="title"/>
+          </p:nvPr>
+        </p:nvSpPr>
+        <p:spPr/>
+        <p:txBody>
+          <a:bodyPr/>
+          <a:lstStyle/>
+          <a:p>
+            <a:endParaRPr lang="en-US" dirty="0"/>
+          </a:p>
+        </p:txBody>
+      </p:sp>
+      <p:sp>
+        <p:nvSpPr>
+          <p:cNvPr id="12" name="Content Placeholder 11">
+            <a:extLst>
+              <a:ext uri="{FF2B5EF4-FFF2-40B4-BE49-F238E27FC236}">
+                <a16:creationId xmlns:a16="http://schemas.microsoft.com/office/drawing/2014/main" id="{5EB4B77A-C4EC-4A8F-A9B8-6439712EF7F8}"/>
+              </a:ext>
+            </a:extLst>
+          </p:cNvPr>
+          <p:cNvSpPr>
+            <a:spLocks noGrp="1"/>
+          </p:cNvSpPr>
+          <p:nvPr>
+            <p:ph idx="1"/>
+          </p:nvPr>
+        </p:nvSpPr>
+        <p:spPr/>
+        <p:txBody>
+          <a:bodyPr>
+            <a:normAutofit lnSpcReduction="10000"/>
+          </a:bodyPr>
+          <a:lstStyle/>
+          <a:p>
+            <a:r>
+              <a:rPr lang="en-US" dirty="0"/>
+              <a:t>Average of transaction amount in the morning</a:t>
+            </a:r>
+          </a:p>
+          <a:p>
+            <a:pPr lvl="1"/>
+            <a:r>
+              <a:rPr lang="en-US" dirty="0"/>
+              <a:t>121.7834</a:t>
+            </a:r>
+          </a:p>
+          <a:p>
+            <a:r>
+              <a:rPr lang="en-US" dirty="0"/>
+              <a:t>Average of transaction amount in the noon</a:t>
+            </a:r>
+          </a:p>
+          <a:p>
+            <a:pPr lvl="1"/>
+            <a:r>
+              <a:rPr lang="en-US" dirty="0"/>
+              <a:t>119.1045</a:t>
+            </a:r>
+          </a:p>
+          <a:p>
+            <a:r>
+              <a:rPr lang="en-US" dirty="0"/>
+              <a:t>Average of transaction amount in the afternoon</a:t>
+            </a:r>
+          </a:p>
+          <a:p>
+            <a:pPr lvl="1"/>
+            <a:r>
+              <a:rPr lang="en-US" dirty="0"/>
+              <a:t>113.4936</a:t>
+            </a:r>
+          </a:p>
+          <a:p>
+            <a:r>
+              <a:rPr lang="en-US" dirty="0"/>
+              <a:t>Average of transaction amount in the evening</a:t>
+            </a:r>
+          </a:p>
+          <a:p>
+            <a:pPr lvl="1"/>
+            <a:r>
+              <a:rPr lang="en-US" dirty="0"/>
+              <a:t>81.42927</a:t>
+            </a:r>
+          </a:p>
+          <a:p>
+            <a:r>
+              <a:rPr lang="en-US" dirty="0"/>
+              <a:t>Average of transaction amount in the night</a:t>
+            </a:r>
+          </a:p>
+          <a:p>
+            <a:pPr lvl="1"/>
+            <a:r>
+              <a:rPr lang="en-US" dirty="0"/>
+              <a:t>20.2761</a:t>
+            </a:r>
+          </a:p>
+        </p:txBody>
+      </p:sp>
+    </p:spTree>
+    <p:extLst>
+      <p:ext uri="{BB962C8B-B14F-4D97-AF65-F5344CB8AC3E}">
+        <p14:creationId xmlns:p14="http://schemas.microsoft.com/office/powerpoint/2010/main" val="2964994768"/>
+      </p:ext>
+    </p:extLst>
+  </p:cSld>
+  <p:clrMapOvr>
+    <a:masterClrMapping/>
+  </p:clrMapOvr>
+</p:sld>
+</file>
+
+<file path=ppt/slides/slide8.xml><?xml version="1.0" encoding="utf-8"?>
+<p:sld xmlns:a="http://schemas.openxmlformats.org/drawingml/2006/main" xmlns:r="http://schemas.openxmlformats.org/officeDocument/2006/relationships" xmlns:p="http://schemas.openxmlformats.org/presentationml/2006/main">
+  <p:cSld>
+    <p:spTree>
+      <p:nvGrpSpPr>
+        <p:cNvPr id="1" name=""/>
+        <p:cNvGrpSpPr/>
+        <p:nvPr/>
+      </p:nvGrpSpPr>
+      <p:grpSpPr>
+        <a:xfrm>
+          <a:off x="0" y="0"/>
+          <a:ext cx="0" cy="0"/>
+          <a:chOff x="0" y="0"/>
+          <a:chExt cx="0" cy="0"/>
+        </a:xfrm>
+      </p:grpSpPr>
+      <p:sp>
+        <p:nvSpPr>
+          <p:cNvPr id="2" name="Title 1">
+            <a:extLst>
+              <a:ext uri="{FF2B5EF4-FFF2-40B4-BE49-F238E27FC236}">
                 <a16:creationId xmlns:a16="http://schemas.microsoft.com/office/drawing/2014/main" id="{11A79F34-E803-4573-9C5A-027431093565}"/>
               </a:ext>
             </a:extLst>
@@ -4424,13 +4657,8 @@
           <a:p>
             <a:r>
               <a:rPr lang="en-US" dirty="0"/>
-              <a:t>Using this, we may be able to exponentialize pricing or reduce max parking times to create a </a:t>
-            </a:r>
-            <a:r>
-              <a:rPr lang="en-US"/>
-              <a:t>better flow.</a:t>
-            </a:r>
-            <a:endParaRPr lang="en-US" dirty="0"/>
+              <a:t>Using this, we may be able to exponentialize pricing or reduce max parking times to create a better flow.</a:t>
+            </a:r>
           </a:p>
         </p:txBody>
       </p:sp>

--- a/Team World Wide.pptx
+++ b/Team World Wide.pptx
@@ -4023,9 +4023,18 @@
         <p:spPr/>
         <p:txBody>
           <a:bodyPr>
-            <a:normAutofit fontScale="77500" lnSpcReduction="20000"/>
+            <a:normAutofit fontScale="70000" lnSpcReduction="20000"/>
           </a:bodyPr>
           <a:lstStyle/>
+          <a:p>
+            <a:r>
+              <a:rPr lang="en-US" dirty="0">
+                <a:hlinkClick r:id="rId2"/>
+              </a:rPr>
+              <a:t>https://github.com/JM-GITHUB-23/BigData</a:t>
+            </a:r>
+            <a:endParaRPr lang="en-US" dirty="0"/>
+          </a:p>
           <a:p>
             <a:r>
               <a:rPr lang="en-US" dirty="0"/>

--- a/Team World Wide.pptx
+++ b/Team World Wide.pptx
@@ -4646,28 +4646,25 @@
           <a:p>
             <a:r>
               <a:rPr lang="en-US" dirty="0"/>
-              <a:t>Unfortunately, the data is very big and my computer wasn’t able to compile everything right now to prepare a </a:t>
-            </a:r>
-            <a:r>
-              <a:rPr lang="en-US" dirty="0" err="1"/>
-              <a:t>powerpoint</a:t>
-            </a:r>
+              <a:t>Using this, we may be able to exponentialize pricing or reduce max parking times to create a better flow.</a:t>
+            </a:r>
+          </a:p>
+          <a:p>
             <a:r>
               <a:rPr lang="en-US" dirty="0"/>
-              <a:t>.</a:t>
+              <a:t>We also wanted to analyze which part of town needs more parking spaces based on the availability of the current parking meters.</a:t>
             </a:r>
           </a:p>
           <a:p>
             <a:r>
               <a:rPr lang="en-US" dirty="0"/>
-              <a:t>However, some interesting points of analysis is that people on average park for about an hour and people utilize parking meters in the morning more than night times. </a:t>
-            </a:r>
-          </a:p>
-          <a:p>
-            <a:r>
-              <a:rPr lang="en-US" dirty="0"/>
-              <a:t>Using this, we may be able to exponentialize pricing or reduce max parking times to create a better flow.</a:t>
-            </a:r>
+              <a:t>Using this, we may be able to find which part of town requires electric </a:t>
+            </a:r>
+            <a:r>
+              <a:rPr lang="en-US"/>
+              <a:t>charging spots.</a:t>
+            </a:r>
+            <a:endParaRPr lang="en-US" dirty="0"/>
           </a:p>
         </p:txBody>
       </p:sp>

--- a/Team World Wide.pptx
+++ b/Team World Wide.pptx
@@ -13,6 +13,7 @@
     <p:sldId id="263" r:id="rId7"/>
     <p:sldId id="262" r:id="rId8"/>
     <p:sldId id="261" r:id="rId9"/>
+    <p:sldId id="264" r:id="rId10"/>
   </p:sldIdLst>
   <p:sldSz cx="12192000" cy="6858000"/>
   <p:notesSz cx="6858000" cy="9144000"/>
@@ -4156,9 +4157,10 @@
           <a:lstStyle/>
           <a:p>
             <a:r>
-              <a:rPr lang="en-US" dirty="0"/>
-              <a:t>Stats</a:t>
-            </a:r>
+              <a:rPr lang="en-US"/>
+              <a:t>Data</a:t>
+            </a:r>
+            <a:endParaRPr lang="en-US" dirty="0"/>
           </a:p>
         </p:txBody>
       </p:sp>
@@ -4268,10 +4270,7 @@
           </a:bodyPr>
           <a:lstStyle/>
           <a:p>
-            <a:r>
-              <a:rPr lang="en-US" dirty="0"/>
-              <a:t>Stats</a:t>
-            </a:r>
+            <a:endParaRPr lang="en-US" dirty="0"/>
           </a:p>
         </p:txBody>
       </p:sp>
@@ -4658,13 +4657,8 @@
           <a:p>
             <a:r>
               <a:rPr lang="en-US" dirty="0"/>
-              <a:t>Using this, we may be able to find which part of town requires electric </a:t>
-            </a:r>
-            <a:r>
-              <a:rPr lang="en-US"/>
-              <a:t>charging spots.</a:t>
-            </a:r>
-            <a:endParaRPr lang="en-US" dirty="0"/>
+              <a:t>Using this, we may be able to find which part of town requires electric charging spots.</a:t>
+            </a:r>
           </a:p>
         </p:txBody>
       </p:sp>
@@ -4672,6 +4666,86 @@
     <p:extLst>
       <p:ext uri="{BB962C8B-B14F-4D97-AF65-F5344CB8AC3E}">
         <p14:creationId xmlns:p14="http://schemas.microsoft.com/office/powerpoint/2010/main" val="1875199235"/>
+      </p:ext>
+    </p:extLst>
+  </p:cSld>
+  <p:clrMapOvr>
+    <a:masterClrMapping/>
+  </p:clrMapOvr>
+</p:sld>
+</file>
+
+<file path=ppt/slides/slide9.xml><?xml version="1.0" encoding="utf-8"?>
+<p:sld xmlns:a="http://schemas.openxmlformats.org/drawingml/2006/main" xmlns:r="http://schemas.openxmlformats.org/officeDocument/2006/relationships" xmlns:p="http://schemas.openxmlformats.org/presentationml/2006/main">
+  <p:cSld>
+    <p:spTree>
+      <p:nvGrpSpPr>
+        <p:cNvPr id="1" name=""/>
+        <p:cNvGrpSpPr/>
+        <p:nvPr/>
+      </p:nvGrpSpPr>
+      <p:grpSpPr>
+        <a:xfrm>
+          <a:off x="0" y="0"/>
+          <a:ext cx="0" cy="0"/>
+          <a:chOff x="0" y="0"/>
+          <a:chExt cx="0" cy="0"/>
+        </a:xfrm>
+      </p:grpSpPr>
+      <p:sp>
+        <p:nvSpPr>
+          <p:cNvPr id="2" name="Title 1">
+            <a:extLst>
+              <a:ext uri="{FF2B5EF4-FFF2-40B4-BE49-F238E27FC236}">
+                <a16:creationId xmlns:a16="http://schemas.microsoft.com/office/drawing/2014/main" id="{B5F136EE-0E01-4B15-A7A0-CE1CF5E14ABA}"/>
+              </a:ext>
+            </a:extLst>
+          </p:cNvPr>
+          <p:cNvSpPr>
+            <a:spLocks noGrp="1"/>
+          </p:cNvSpPr>
+          <p:nvPr>
+            <p:ph type="title"/>
+          </p:nvPr>
+        </p:nvSpPr>
+        <p:spPr/>
+        <p:txBody>
+          <a:bodyPr/>
+          <a:lstStyle/>
+          <a:p>
+            <a:endParaRPr lang="en-US" dirty="0"/>
+          </a:p>
+        </p:txBody>
+      </p:sp>
+      <p:sp>
+        <p:nvSpPr>
+          <p:cNvPr id="3" name="Content Placeholder 2">
+            <a:extLst>
+              <a:ext uri="{FF2B5EF4-FFF2-40B4-BE49-F238E27FC236}">
+                <a16:creationId xmlns:a16="http://schemas.microsoft.com/office/drawing/2014/main" id="{008BED91-C632-4DE9-82E8-2B5845DF6408}"/>
+              </a:ext>
+            </a:extLst>
+          </p:cNvPr>
+          <p:cNvSpPr>
+            <a:spLocks noGrp="1"/>
+          </p:cNvSpPr>
+          <p:nvPr>
+            <p:ph idx="1"/>
+          </p:nvPr>
+        </p:nvSpPr>
+        <p:spPr/>
+        <p:txBody>
+          <a:bodyPr/>
+          <a:lstStyle/>
+          <a:p>
+            <a:endParaRPr lang="en-US" dirty="0"/>
+          </a:p>
+        </p:txBody>
+      </p:sp>
+    </p:spTree>
+    <p:extLst>
+      <p:ext uri="{BB962C8B-B14F-4D97-AF65-F5344CB8AC3E}">
+        <p14:creationId xmlns:p14="http://schemas.microsoft.com/office/powerpoint/2010/main" val="3890039040"/>
       </p:ext>
     </p:extLst>
   </p:cSld>

--- a/Team World Wide.pptx
+++ b/Team World Wide.pptx
@@ -11,9 +11,10 @@
     <p:sldId id="259" r:id="rId5"/>
     <p:sldId id="260" r:id="rId6"/>
     <p:sldId id="263" r:id="rId7"/>
-    <p:sldId id="262" r:id="rId8"/>
-    <p:sldId id="261" r:id="rId9"/>
-    <p:sldId id="264" r:id="rId10"/>
+    <p:sldId id="265" r:id="rId8"/>
+    <p:sldId id="262" r:id="rId9"/>
+    <p:sldId id="261" r:id="rId10"/>
+    <p:sldId id="264" r:id="rId11"/>
   </p:sldIdLst>
   <p:sldSz cx="12192000" cy="6858000"/>
   <p:notesSz cx="6858000" cy="9144000"/>
@@ -3806,6 +3807,86 @@
 </p:sld>
 </file>
 
+<file path=ppt/slides/slide10.xml><?xml version="1.0" encoding="utf-8"?>
+<p:sld xmlns:a="http://schemas.openxmlformats.org/drawingml/2006/main" xmlns:r="http://schemas.openxmlformats.org/officeDocument/2006/relationships" xmlns:p="http://schemas.openxmlformats.org/presentationml/2006/main">
+  <p:cSld>
+    <p:spTree>
+      <p:nvGrpSpPr>
+        <p:cNvPr id="1" name=""/>
+        <p:cNvGrpSpPr/>
+        <p:nvPr/>
+      </p:nvGrpSpPr>
+      <p:grpSpPr>
+        <a:xfrm>
+          <a:off x="0" y="0"/>
+          <a:ext cx="0" cy="0"/>
+          <a:chOff x="0" y="0"/>
+          <a:chExt cx="0" cy="0"/>
+        </a:xfrm>
+      </p:grpSpPr>
+      <p:sp>
+        <p:nvSpPr>
+          <p:cNvPr id="2" name="Title 1">
+            <a:extLst>
+              <a:ext uri="{FF2B5EF4-FFF2-40B4-BE49-F238E27FC236}">
+                <a16:creationId xmlns:a16="http://schemas.microsoft.com/office/drawing/2014/main" id="{B5F136EE-0E01-4B15-A7A0-CE1CF5E14ABA}"/>
+              </a:ext>
+            </a:extLst>
+          </p:cNvPr>
+          <p:cNvSpPr>
+            <a:spLocks noGrp="1"/>
+          </p:cNvSpPr>
+          <p:nvPr>
+            <p:ph type="title"/>
+          </p:nvPr>
+        </p:nvSpPr>
+        <p:spPr/>
+        <p:txBody>
+          <a:bodyPr/>
+          <a:lstStyle/>
+          <a:p>
+            <a:endParaRPr lang="en-US" dirty="0"/>
+          </a:p>
+        </p:txBody>
+      </p:sp>
+      <p:sp>
+        <p:nvSpPr>
+          <p:cNvPr id="3" name="Content Placeholder 2">
+            <a:extLst>
+              <a:ext uri="{FF2B5EF4-FFF2-40B4-BE49-F238E27FC236}">
+                <a16:creationId xmlns:a16="http://schemas.microsoft.com/office/drawing/2014/main" id="{008BED91-C632-4DE9-82E8-2B5845DF6408}"/>
+              </a:ext>
+            </a:extLst>
+          </p:cNvPr>
+          <p:cNvSpPr>
+            <a:spLocks noGrp="1"/>
+          </p:cNvSpPr>
+          <p:nvPr>
+            <p:ph idx="1"/>
+          </p:nvPr>
+        </p:nvSpPr>
+        <p:spPr/>
+        <p:txBody>
+          <a:bodyPr/>
+          <a:lstStyle/>
+          <a:p>
+            <a:endParaRPr lang="en-US" dirty="0"/>
+          </a:p>
+        </p:txBody>
+      </p:sp>
+    </p:spTree>
+    <p:extLst>
+      <p:ext uri="{BB962C8B-B14F-4D97-AF65-F5344CB8AC3E}">
+        <p14:creationId xmlns:p14="http://schemas.microsoft.com/office/powerpoint/2010/main" val="3890039040"/>
+      </p:ext>
+    </p:extLst>
+  </p:cSld>
+  <p:clrMapOvr>
+    <a:masterClrMapping/>
+  </p:clrMapOvr>
+</p:sld>
+</file>
+
 <file path=ppt/slides/slide2.xml><?xml version="1.0" encoding="utf-8"?>
 <p:sld xmlns:a="http://schemas.openxmlformats.org/drawingml/2006/main" xmlns:r="http://schemas.openxmlformats.org/officeDocument/2006/relationships" xmlns:p="http://schemas.openxmlformats.org/presentationml/2006/main">
   <p:cSld>
@@ -4157,10 +4238,9 @@
           <a:lstStyle/>
           <a:p>
             <a:r>
-              <a:rPr lang="en-US"/>
+              <a:rPr lang="en-US" dirty="0"/>
               <a:t>Data</a:t>
             </a:r>
-            <a:endParaRPr lang="en-US" dirty="0"/>
           </a:p>
         </p:txBody>
       </p:sp>
@@ -4458,7 +4538,7 @@
           <p:cNvPr id="2" name="Title 1">
             <a:extLst>
               <a:ext uri="{FF2B5EF4-FFF2-40B4-BE49-F238E27FC236}">
-                <a16:creationId xmlns:a16="http://schemas.microsoft.com/office/drawing/2014/main" id="{75EE8B24-AB6E-419C-AD0F-ED9FC2DE9229}"/>
+                <a16:creationId xmlns:a16="http://schemas.microsoft.com/office/drawing/2014/main" id="{8159128C-640E-437C-B9A7-B559B1A40002}"/>
               </a:ext>
             </a:extLst>
           </p:cNvPr>
@@ -4474,103 +4554,46 @@
           <a:bodyPr/>
           <a:lstStyle/>
           <a:p>
-            <a:endParaRPr lang="en-US" dirty="0"/>
-          </a:p>
-        </p:txBody>
-      </p:sp>
-      <p:sp>
-        <p:nvSpPr>
-          <p:cNvPr id="12" name="Content Placeholder 11">
-            <a:extLst>
-              <a:ext uri="{FF2B5EF4-FFF2-40B4-BE49-F238E27FC236}">
-                <a16:creationId xmlns:a16="http://schemas.microsoft.com/office/drawing/2014/main" id="{5EB4B77A-C4EC-4A8F-A9B8-6439712EF7F8}"/>
-              </a:ext>
-            </a:extLst>
-          </p:cNvPr>
-          <p:cNvSpPr>
-            <a:spLocks noGrp="1"/>
-          </p:cNvSpPr>
+            <a:endParaRPr lang="en-US"/>
+          </a:p>
+        </p:txBody>
+      </p:sp>
+      <p:pic>
+        <p:nvPicPr>
+          <p:cNvPr id="4" name="Content Placeholder 3">
+            <a:extLst>
+              <a:ext uri="{FF2B5EF4-FFF2-40B4-BE49-F238E27FC236}">
+                <a16:creationId xmlns:a16="http://schemas.microsoft.com/office/drawing/2014/main" id="{33A31EDD-8D2A-41EC-8030-B93A7A7EA953}"/>
+              </a:ext>
+            </a:extLst>
+          </p:cNvPr>
+          <p:cNvPicPr>
+            <a:picLocks noGrp="1" noChangeAspect="1"/>
+          </p:cNvPicPr>
           <p:nvPr>
             <p:ph idx="1"/>
           </p:nvPr>
-        </p:nvSpPr>
-        <p:spPr/>
-        <p:txBody>
-          <a:bodyPr>
-            <a:normAutofit lnSpcReduction="10000"/>
-          </a:bodyPr>
-          <a:lstStyle/>
-          <a:p>
-            <a:r>
-              <a:rPr lang="en-US" dirty="0"/>
-              <a:t>Average of transaction amount in the morning</a:t>
-            </a:r>
-          </a:p>
-          <a:p>
-            <a:pPr lvl="1"/>
-            <a:r>
-              <a:rPr lang="en-US" dirty="0"/>
-              <a:t>121.7834</a:t>
-            </a:r>
-          </a:p>
-          <a:p>
-            <a:r>
-              <a:rPr lang="en-US" dirty="0"/>
-              <a:t>Average of transaction amount in the noon</a:t>
-            </a:r>
-          </a:p>
-          <a:p>
-            <a:pPr lvl="1"/>
-            <a:r>
-              <a:rPr lang="en-US" dirty="0"/>
-              <a:t>119.1045</a:t>
-            </a:r>
-          </a:p>
-          <a:p>
-            <a:r>
-              <a:rPr lang="en-US" dirty="0"/>
-              <a:t>Average of transaction amount in the afternoon</a:t>
-            </a:r>
-          </a:p>
-          <a:p>
-            <a:pPr lvl="1"/>
-            <a:r>
-              <a:rPr lang="en-US" dirty="0"/>
-              <a:t>113.4936</a:t>
-            </a:r>
-          </a:p>
-          <a:p>
-            <a:r>
-              <a:rPr lang="en-US" dirty="0"/>
-              <a:t>Average of transaction amount in the evening</a:t>
-            </a:r>
-          </a:p>
-          <a:p>
-            <a:pPr lvl="1"/>
-            <a:r>
-              <a:rPr lang="en-US" dirty="0"/>
-              <a:t>81.42927</a:t>
-            </a:r>
-          </a:p>
-          <a:p>
-            <a:r>
-              <a:rPr lang="en-US" dirty="0"/>
-              <a:t>Average of transaction amount in the night</a:t>
-            </a:r>
-          </a:p>
-          <a:p>
-            <a:pPr lvl="1"/>
-            <a:r>
-              <a:rPr lang="en-US" dirty="0"/>
-              <a:t>20.2761</a:t>
-            </a:r>
-          </a:p>
-        </p:txBody>
-      </p:sp>
+        </p:nvPicPr>
+        <p:blipFill>
+          <a:blip r:embed="rId2"/>
+          <a:stretch>
+            <a:fillRect/>
+          </a:stretch>
+        </p:blipFill>
+        <p:spPr>
+          <a:xfrm>
+            <a:off x="2389153" y="1825625"/>
+            <a:ext cx="7413694" cy="4351338"/>
+          </a:xfrm>
+          <a:prstGeom prst="rect">
+            <a:avLst/>
+          </a:prstGeom>
+        </p:spPr>
+      </p:pic>
     </p:spTree>
     <p:extLst>
       <p:ext uri="{BB962C8B-B14F-4D97-AF65-F5344CB8AC3E}">
-        <p14:creationId xmlns:p14="http://schemas.microsoft.com/office/powerpoint/2010/main" val="2964994768"/>
+        <p14:creationId xmlns:p14="http://schemas.microsoft.com/office/powerpoint/2010/main" val="727504787"/>
       </p:ext>
     </p:extLst>
   </p:cSld>
@@ -4602,7 +4625,7 @@
           <p:cNvPr id="2" name="Title 1">
             <a:extLst>
               <a:ext uri="{FF2B5EF4-FFF2-40B4-BE49-F238E27FC236}">
-                <a16:creationId xmlns:a16="http://schemas.microsoft.com/office/drawing/2014/main" id="{11A79F34-E803-4573-9C5A-027431093565}"/>
+                <a16:creationId xmlns:a16="http://schemas.microsoft.com/office/drawing/2014/main" id="{75EE8B24-AB6E-419C-AD0F-ED9FC2DE9229}"/>
               </a:ext>
             </a:extLst>
           </p:cNvPr>
@@ -4618,16 +4641,16 @@
           <a:bodyPr/>
           <a:lstStyle/>
           <a:p>
-            <a:endParaRPr lang="en-US"/>
-          </a:p>
-        </p:txBody>
-      </p:sp>
-      <p:sp>
-        <p:nvSpPr>
-          <p:cNvPr id="3" name="Content Placeholder 2">
-            <a:extLst>
-              <a:ext uri="{FF2B5EF4-FFF2-40B4-BE49-F238E27FC236}">
-                <a16:creationId xmlns:a16="http://schemas.microsoft.com/office/drawing/2014/main" id="{33F26C10-03A1-4D76-B195-1C04947FA627}"/>
+            <a:endParaRPr lang="en-US" dirty="0"/>
+          </a:p>
+        </p:txBody>
+      </p:sp>
+      <p:sp>
+        <p:nvSpPr>
+          <p:cNvPr id="12" name="Content Placeholder 11">
+            <a:extLst>
+              <a:ext uri="{FF2B5EF4-FFF2-40B4-BE49-F238E27FC236}">
+                <a16:creationId xmlns:a16="http://schemas.microsoft.com/office/drawing/2014/main" id="{5EB4B77A-C4EC-4A8F-A9B8-6439712EF7F8}"/>
               </a:ext>
             </a:extLst>
           </p:cNvPr>
@@ -4640,24 +4663,73 @@
         </p:nvSpPr>
         <p:spPr/>
         <p:txBody>
-          <a:bodyPr/>
+          <a:bodyPr>
+            <a:normAutofit lnSpcReduction="10000"/>
+          </a:bodyPr>
           <a:lstStyle/>
           <a:p>
             <a:r>
               <a:rPr lang="en-US" dirty="0"/>
-              <a:t>Using this, we may be able to exponentialize pricing or reduce max parking times to create a better flow.</a:t>
-            </a:r>
-          </a:p>
-          <a:p>
+              <a:t>Average of transaction amount in the morning</a:t>
+            </a:r>
+          </a:p>
+          <a:p>
+            <a:pPr lvl="1"/>
             <a:r>
               <a:rPr lang="en-US" dirty="0"/>
-              <a:t>We also wanted to analyze which part of town needs more parking spaces based on the availability of the current parking meters.</a:t>
+              <a:t>121.7834</a:t>
             </a:r>
           </a:p>
           <a:p>
             <a:r>
               <a:rPr lang="en-US" dirty="0"/>
-              <a:t>Using this, we may be able to find which part of town requires electric charging spots.</a:t>
+              <a:t>Average of transaction amount in the noon</a:t>
+            </a:r>
+          </a:p>
+          <a:p>
+            <a:pPr lvl="1"/>
+            <a:r>
+              <a:rPr lang="en-US" dirty="0"/>
+              <a:t>119.1045</a:t>
+            </a:r>
+          </a:p>
+          <a:p>
+            <a:r>
+              <a:rPr lang="en-US" dirty="0"/>
+              <a:t>Average of transaction amount in the afternoon</a:t>
+            </a:r>
+          </a:p>
+          <a:p>
+            <a:pPr lvl="1"/>
+            <a:r>
+              <a:rPr lang="en-US" dirty="0"/>
+              <a:t>113.4936</a:t>
+            </a:r>
+          </a:p>
+          <a:p>
+            <a:r>
+              <a:rPr lang="en-US" dirty="0"/>
+              <a:t>Average of transaction amount in the evening</a:t>
+            </a:r>
+          </a:p>
+          <a:p>
+            <a:pPr lvl="1"/>
+            <a:r>
+              <a:rPr lang="en-US" dirty="0"/>
+              <a:t>81.42927</a:t>
+            </a:r>
+          </a:p>
+          <a:p>
+            <a:r>
+              <a:rPr lang="en-US" dirty="0"/>
+              <a:t>Average of transaction amount in the night</a:t>
+            </a:r>
+          </a:p>
+          <a:p>
+            <a:pPr lvl="1"/>
+            <a:r>
+              <a:rPr lang="en-US" dirty="0"/>
+              <a:t>20.2761</a:t>
             </a:r>
           </a:p>
         </p:txBody>
@@ -4665,7 +4737,7 @@
     </p:spTree>
     <p:extLst>
       <p:ext uri="{BB962C8B-B14F-4D97-AF65-F5344CB8AC3E}">
-        <p14:creationId xmlns:p14="http://schemas.microsoft.com/office/powerpoint/2010/main" val="1875199235"/>
+        <p14:creationId xmlns:p14="http://schemas.microsoft.com/office/powerpoint/2010/main" val="2964994768"/>
       </p:ext>
     </p:extLst>
   </p:cSld>
@@ -4697,7 +4769,7 @@
           <p:cNvPr id="2" name="Title 1">
             <a:extLst>
               <a:ext uri="{FF2B5EF4-FFF2-40B4-BE49-F238E27FC236}">
-                <a16:creationId xmlns:a16="http://schemas.microsoft.com/office/drawing/2014/main" id="{B5F136EE-0E01-4B15-A7A0-CE1CF5E14ABA}"/>
+                <a16:creationId xmlns:a16="http://schemas.microsoft.com/office/drawing/2014/main" id="{11A79F34-E803-4573-9C5A-027431093565}"/>
               </a:ext>
             </a:extLst>
           </p:cNvPr>
@@ -4713,7 +4785,7 @@
           <a:bodyPr/>
           <a:lstStyle/>
           <a:p>
-            <a:endParaRPr lang="en-US" dirty="0"/>
+            <a:endParaRPr lang="en-US"/>
           </a:p>
         </p:txBody>
       </p:sp>
@@ -4722,7 +4794,7 @@
           <p:cNvPr id="3" name="Content Placeholder 2">
             <a:extLst>
               <a:ext uri="{FF2B5EF4-FFF2-40B4-BE49-F238E27FC236}">
-                <a16:creationId xmlns:a16="http://schemas.microsoft.com/office/drawing/2014/main" id="{008BED91-C632-4DE9-82E8-2B5845DF6408}"/>
+                <a16:creationId xmlns:a16="http://schemas.microsoft.com/office/drawing/2014/main" id="{33F26C10-03A1-4D76-B195-1C04947FA627}"/>
               </a:ext>
             </a:extLst>
           </p:cNvPr>
@@ -4738,14 +4810,37 @@
           <a:bodyPr/>
           <a:lstStyle/>
           <a:p>
-            <a:endParaRPr lang="en-US" dirty="0"/>
+            <a:r>
+              <a:rPr lang="en-US" dirty="0"/>
+              <a:t>Using this, we may be able to exponentialize pricing or reduce max parking times to create a better flow.</a:t>
+            </a:r>
+          </a:p>
+          <a:p>
+            <a:r>
+              <a:rPr lang="en-US" dirty="0"/>
+              <a:t>We also wanted to analyze which part of town needs more parking spaces based on the availability </a:t>
+            </a:r>
+            <a:r>
+              <a:rPr lang="en-US"/>
+              <a:t>and popularity </a:t>
+            </a:r>
+            <a:r>
+              <a:rPr lang="en-US" dirty="0"/>
+              <a:t>of the current parking meters.</a:t>
+            </a:r>
+          </a:p>
+          <a:p>
+            <a:r>
+              <a:rPr lang="en-US" dirty="0"/>
+              <a:t>Using this, we may be able to find which part of town requires electric charging spots.</a:t>
+            </a:r>
           </a:p>
         </p:txBody>
       </p:sp>
     </p:spTree>
     <p:extLst>
       <p:ext uri="{BB962C8B-B14F-4D97-AF65-F5344CB8AC3E}">
-        <p14:creationId xmlns:p14="http://schemas.microsoft.com/office/powerpoint/2010/main" val="3890039040"/>
+        <p14:creationId xmlns:p14="http://schemas.microsoft.com/office/powerpoint/2010/main" val="1875199235"/>
       </p:ext>
     </p:extLst>
   </p:cSld>

--- a/Team World Wide.pptx
+++ b/Team World Wide.pptx
@@ -14,7 +14,6 @@
     <p:sldId id="265" r:id="rId8"/>
     <p:sldId id="262" r:id="rId9"/>
     <p:sldId id="261" r:id="rId10"/>
-    <p:sldId id="264" r:id="rId11"/>
   </p:sldIdLst>
   <p:sldSz cx="12192000" cy="6858000"/>
   <p:notesSz cx="6858000" cy="9144000"/>
@@ -3807,86 +3806,6 @@
 </p:sld>
 </file>
 
-<file path=ppt/slides/slide10.xml><?xml version="1.0" encoding="utf-8"?>
-<p:sld xmlns:a="http://schemas.openxmlformats.org/drawingml/2006/main" xmlns:r="http://schemas.openxmlformats.org/officeDocument/2006/relationships" xmlns:p="http://schemas.openxmlformats.org/presentationml/2006/main">
-  <p:cSld>
-    <p:spTree>
-      <p:nvGrpSpPr>
-        <p:cNvPr id="1" name=""/>
-        <p:cNvGrpSpPr/>
-        <p:nvPr/>
-      </p:nvGrpSpPr>
-      <p:grpSpPr>
-        <a:xfrm>
-          <a:off x="0" y="0"/>
-          <a:ext cx="0" cy="0"/>
-          <a:chOff x="0" y="0"/>
-          <a:chExt cx="0" cy="0"/>
-        </a:xfrm>
-      </p:grpSpPr>
-      <p:sp>
-        <p:nvSpPr>
-          <p:cNvPr id="2" name="Title 1">
-            <a:extLst>
-              <a:ext uri="{FF2B5EF4-FFF2-40B4-BE49-F238E27FC236}">
-                <a16:creationId xmlns:a16="http://schemas.microsoft.com/office/drawing/2014/main" id="{B5F136EE-0E01-4B15-A7A0-CE1CF5E14ABA}"/>
-              </a:ext>
-            </a:extLst>
-          </p:cNvPr>
-          <p:cNvSpPr>
-            <a:spLocks noGrp="1"/>
-          </p:cNvSpPr>
-          <p:nvPr>
-            <p:ph type="title"/>
-          </p:nvPr>
-        </p:nvSpPr>
-        <p:spPr/>
-        <p:txBody>
-          <a:bodyPr/>
-          <a:lstStyle/>
-          <a:p>
-            <a:endParaRPr lang="en-US" dirty="0"/>
-          </a:p>
-        </p:txBody>
-      </p:sp>
-      <p:sp>
-        <p:nvSpPr>
-          <p:cNvPr id="3" name="Content Placeholder 2">
-            <a:extLst>
-              <a:ext uri="{FF2B5EF4-FFF2-40B4-BE49-F238E27FC236}">
-                <a16:creationId xmlns:a16="http://schemas.microsoft.com/office/drawing/2014/main" id="{008BED91-C632-4DE9-82E8-2B5845DF6408}"/>
-              </a:ext>
-            </a:extLst>
-          </p:cNvPr>
-          <p:cNvSpPr>
-            <a:spLocks noGrp="1"/>
-          </p:cNvSpPr>
-          <p:nvPr>
-            <p:ph idx="1"/>
-          </p:nvPr>
-        </p:nvSpPr>
-        <p:spPr/>
-        <p:txBody>
-          <a:bodyPr/>
-          <a:lstStyle/>
-          <a:p>
-            <a:endParaRPr lang="en-US" dirty="0"/>
-          </a:p>
-        </p:txBody>
-      </p:sp>
-    </p:spTree>
-    <p:extLst>
-      <p:ext uri="{BB962C8B-B14F-4D97-AF65-F5344CB8AC3E}">
-        <p14:creationId xmlns:p14="http://schemas.microsoft.com/office/powerpoint/2010/main" val="3890039040"/>
-      </p:ext>
-    </p:extLst>
-  </p:cSld>
-  <p:clrMapOvr>
-    <a:masterClrMapping/>
-  </p:clrMapOvr>
-</p:sld>
-</file>
-
 <file path=ppt/slides/slide2.xml><?xml version="1.0" encoding="utf-8"?>
 <p:sld xmlns:a="http://schemas.openxmlformats.org/drawingml/2006/main" xmlns:r="http://schemas.openxmlformats.org/officeDocument/2006/relationships" xmlns:p="http://schemas.openxmlformats.org/presentationml/2006/main">
   <p:cSld>
@@ -4818,15 +4737,7 @@
           <a:p>
             <a:r>
               <a:rPr lang="en-US" dirty="0"/>
-              <a:t>We also wanted to analyze which part of town needs more parking spaces based on the availability </a:t>
-            </a:r>
-            <a:r>
-              <a:rPr lang="en-US"/>
-              <a:t>and popularity </a:t>
-            </a:r>
-            <a:r>
-              <a:rPr lang="en-US" dirty="0"/>
-              <a:t>of the current parking meters.</a:t>
+              <a:t>We also wanted to analyze which part of town needs more parking spaces based on the availability and popularity of the current parking meters.</a:t>
             </a:r>
           </a:p>
           <a:p>

--- a/Team World Wide.pptx
+++ b/Team World Wide.pptx
@@ -8,12 +8,16 @@
     <p:sldId id="256" r:id="rId2"/>
     <p:sldId id="257" r:id="rId3"/>
     <p:sldId id="258" r:id="rId4"/>
-    <p:sldId id="259" r:id="rId5"/>
-    <p:sldId id="260" r:id="rId6"/>
-    <p:sldId id="263" r:id="rId7"/>
-    <p:sldId id="265" r:id="rId8"/>
-    <p:sldId id="262" r:id="rId9"/>
-    <p:sldId id="261" r:id="rId10"/>
+    <p:sldId id="266" r:id="rId5"/>
+    <p:sldId id="267" r:id="rId6"/>
+    <p:sldId id="259" r:id="rId7"/>
+    <p:sldId id="260" r:id="rId8"/>
+    <p:sldId id="265" r:id="rId9"/>
+    <p:sldId id="263" r:id="rId10"/>
+    <p:sldId id="262" r:id="rId11"/>
+    <p:sldId id="261" r:id="rId12"/>
+    <p:sldId id="268" r:id="rId13"/>
+    <p:sldId id="269" r:id="rId14"/>
   </p:sldIdLst>
   <p:sldSz cx="12192000" cy="6858000"/>
   <p:notesSz cx="6858000" cy="9144000"/>
@@ -3806,6 +3810,446 @@
 </p:sld>
 </file>
 
+<file path=ppt/slides/slide10.xml><?xml version="1.0" encoding="utf-8"?>
+<p:sld xmlns:a="http://schemas.openxmlformats.org/drawingml/2006/main" xmlns:r="http://schemas.openxmlformats.org/officeDocument/2006/relationships" xmlns:p="http://schemas.openxmlformats.org/presentationml/2006/main">
+  <p:cSld>
+    <p:spTree>
+      <p:nvGrpSpPr>
+        <p:cNvPr id="1" name=""/>
+        <p:cNvGrpSpPr/>
+        <p:nvPr/>
+      </p:nvGrpSpPr>
+      <p:grpSpPr>
+        <a:xfrm>
+          <a:off x="0" y="0"/>
+          <a:ext cx="0" cy="0"/>
+          <a:chOff x="0" y="0"/>
+          <a:chExt cx="0" cy="0"/>
+        </a:xfrm>
+      </p:grpSpPr>
+      <p:sp>
+        <p:nvSpPr>
+          <p:cNvPr id="2" name="Title 1">
+            <a:extLst>
+              <a:ext uri="{FF2B5EF4-FFF2-40B4-BE49-F238E27FC236}">
+                <a16:creationId xmlns:a16="http://schemas.microsoft.com/office/drawing/2014/main" id="{75EE8B24-AB6E-419C-AD0F-ED9FC2DE9229}"/>
+              </a:ext>
+            </a:extLst>
+          </p:cNvPr>
+          <p:cNvSpPr>
+            <a:spLocks noGrp="1"/>
+          </p:cNvSpPr>
+          <p:nvPr>
+            <p:ph type="title"/>
+          </p:nvPr>
+        </p:nvSpPr>
+        <p:spPr/>
+        <p:txBody>
+          <a:bodyPr/>
+          <a:lstStyle/>
+          <a:p>
+            <a:r>
+              <a:rPr lang="en-US" dirty="0"/>
+              <a:t>$1.25 = 1 hour</a:t>
+            </a:r>
+          </a:p>
+        </p:txBody>
+      </p:sp>
+      <p:sp>
+        <p:nvSpPr>
+          <p:cNvPr id="12" name="Content Placeholder 11">
+            <a:extLst>
+              <a:ext uri="{FF2B5EF4-FFF2-40B4-BE49-F238E27FC236}">
+                <a16:creationId xmlns:a16="http://schemas.microsoft.com/office/drawing/2014/main" id="{5EB4B77A-C4EC-4A8F-A9B8-6439712EF7F8}"/>
+              </a:ext>
+            </a:extLst>
+          </p:cNvPr>
+          <p:cNvSpPr>
+            <a:spLocks noGrp="1"/>
+          </p:cNvSpPr>
+          <p:nvPr>
+            <p:ph idx="1"/>
+          </p:nvPr>
+        </p:nvSpPr>
+        <p:spPr/>
+        <p:txBody>
+          <a:bodyPr>
+            <a:normAutofit lnSpcReduction="10000"/>
+          </a:bodyPr>
+          <a:lstStyle/>
+          <a:p>
+            <a:r>
+              <a:rPr lang="en-US" dirty="0"/>
+              <a:t>Average of transaction amount in the morning</a:t>
+            </a:r>
+          </a:p>
+          <a:p>
+            <a:pPr lvl="1"/>
+            <a:r>
+              <a:rPr lang="en-US" dirty="0"/>
+              <a:t>121.7834 = $1.22</a:t>
+            </a:r>
+          </a:p>
+          <a:p>
+            <a:r>
+              <a:rPr lang="en-US" dirty="0"/>
+              <a:t>Average of transaction amount in the noon</a:t>
+            </a:r>
+          </a:p>
+          <a:p>
+            <a:pPr lvl="1"/>
+            <a:r>
+              <a:rPr lang="en-US" dirty="0"/>
+              <a:t>119.1045 = $ 1.19</a:t>
+            </a:r>
+          </a:p>
+          <a:p>
+            <a:r>
+              <a:rPr lang="en-US" dirty="0"/>
+              <a:t>Average of transaction amount in the afternoon</a:t>
+            </a:r>
+          </a:p>
+          <a:p>
+            <a:pPr lvl="1"/>
+            <a:r>
+              <a:rPr lang="en-US" dirty="0"/>
+              <a:t>113.4936 = $1.13</a:t>
+            </a:r>
+          </a:p>
+          <a:p>
+            <a:r>
+              <a:rPr lang="en-US" dirty="0"/>
+              <a:t>Average of transaction amount in the evening</a:t>
+            </a:r>
+          </a:p>
+          <a:p>
+            <a:pPr lvl="1"/>
+            <a:r>
+              <a:rPr lang="en-US" dirty="0"/>
+              <a:t>81.42927 = $0.81</a:t>
+            </a:r>
+          </a:p>
+          <a:p>
+            <a:r>
+              <a:rPr lang="en-US" dirty="0"/>
+              <a:t>Average of transaction amount in the night</a:t>
+            </a:r>
+          </a:p>
+          <a:p>
+            <a:pPr lvl="1"/>
+            <a:r>
+              <a:rPr lang="en-US" dirty="0"/>
+              <a:t>20.2761 = $0.20</a:t>
+            </a:r>
+          </a:p>
+        </p:txBody>
+      </p:sp>
+    </p:spTree>
+    <p:extLst>
+      <p:ext uri="{BB962C8B-B14F-4D97-AF65-F5344CB8AC3E}">
+        <p14:creationId xmlns:p14="http://schemas.microsoft.com/office/powerpoint/2010/main" val="2964994768"/>
+      </p:ext>
+    </p:extLst>
+  </p:cSld>
+  <p:clrMapOvr>
+    <a:masterClrMapping/>
+  </p:clrMapOvr>
+</p:sld>
+</file>
+
+<file path=ppt/slides/slide11.xml><?xml version="1.0" encoding="utf-8"?>
+<p:sld xmlns:a="http://schemas.openxmlformats.org/drawingml/2006/main" xmlns:r="http://schemas.openxmlformats.org/officeDocument/2006/relationships" xmlns:p="http://schemas.openxmlformats.org/presentationml/2006/main">
+  <p:cSld>
+    <p:spTree>
+      <p:nvGrpSpPr>
+        <p:cNvPr id="1" name=""/>
+        <p:cNvGrpSpPr/>
+        <p:nvPr/>
+      </p:nvGrpSpPr>
+      <p:grpSpPr>
+        <a:xfrm>
+          <a:off x="0" y="0"/>
+          <a:ext cx="0" cy="0"/>
+          <a:chOff x="0" y="0"/>
+          <a:chExt cx="0" cy="0"/>
+        </a:xfrm>
+      </p:grpSpPr>
+      <p:sp>
+        <p:nvSpPr>
+          <p:cNvPr id="2" name="Title 1">
+            <a:extLst>
+              <a:ext uri="{FF2B5EF4-FFF2-40B4-BE49-F238E27FC236}">
+                <a16:creationId xmlns:a16="http://schemas.microsoft.com/office/drawing/2014/main" id="{11A79F34-E803-4573-9C5A-027431093565}"/>
+              </a:ext>
+            </a:extLst>
+          </p:cNvPr>
+          <p:cNvSpPr>
+            <a:spLocks noGrp="1"/>
+          </p:cNvSpPr>
+          <p:nvPr>
+            <p:ph type="title"/>
+          </p:nvPr>
+        </p:nvSpPr>
+        <p:spPr/>
+        <p:txBody>
+          <a:bodyPr/>
+          <a:lstStyle/>
+          <a:p>
+            <a:endParaRPr lang="en-US" dirty="0"/>
+          </a:p>
+        </p:txBody>
+      </p:sp>
+      <p:sp>
+        <p:nvSpPr>
+          <p:cNvPr id="3" name="Content Placeholder 2">
+            <a:extLst>
+              <a:ext uri="{FF2B5EF4-FFF2-40B4-BE49-F238E27FC236}">
+                <a16:creationId xmlns:a16="http://schemas.microsoft.com/office/drawing/2014/main" id="{33F26C10-03A1-4D76-B195-1C04947FA627}"/>
+              </a:ext>
+            </a:extLst>
+          </p:cNvPr>
+          <p:cNvSpPr>
+            <a:spLocks noGrp="1"/>
+          </p:cNvSpPr>
+          <p:nvPr>
+            <p:ph idx="1"/>
+          </p:nvPr>
+        </p:nvSpPr>
+        <p:spPr/>
+        <p:txBody>
+          <a:bodyPr>
+            <a:normAutofit/>
+          </a:bodyPr>
+          <a:lstStyle/>
+          <a:p>
+            <a:r>
+              <a:rPr lang="en-US" dirty="0"/>
+              <a:t>Using this, we may be able to exponentialize pricing or reduce max parking times to create a better flow.</a:t>
+            </a:r>
+          </a:p>
+          <a:p>
+            <a:r>
+              <a:rPr lang="en-US" dirty="0"/>
+              <a:t>This will make it so that street parking spaces will be utilized for those who need to make a quick stop and encourage those who want to stay longer to make use of the parking structures / lots already built.</a:t>
+            </a:r>
+          </a:p>
+        </p:txBody>
+      </p:sp>
+    </p:spTree>
+    <p:extLst>
+      <p:ext uri="{BB962C8B-B14F-4D97-AF65-F5344CB8AC3E}">
+        <p14:creationId xmlns:p14="http://schemas.microsoft.com/office/powerpoint/2010/main" val="1875199235"/>
+      </p:ext>
+    </p:extLst>
+  </p:cSld>
+  <p:clrMapOvr>
+    <a:masterClrMapping/>
+  </p:clrMapOvr>
+</p:sld>
+</file>
+
+<file path=ppt/slides/slide12.xml><?xml version="1.0" encoding="utf-8"?>
+<p:sld xmlns:a="http://schemas.openxmlformats.org/drawingml/2006/main" xmlns:r="http://schemas.openxmlformats.org/officeDocument/2006/relationships" xmlns:p="http://schemas.openxmlformats.org/presentationml/2006/main">
+  <p:cSld>
+    <p:spTree>
+      <p:nvGrpSpPr>
+        <p:cNvPr id="1" name=""/>
+        <p:cNvGrpSpPr/>
+        <p:nvPr/>
+      </p:nvGrpSpPr>
+      <p:grpSpPr>
+        <a:xfrm>
+          <a:off x="0" y="0"/>
+          <a:ext cx="0" cy="0"/>
+          <a:chOff x="0" y="0"/>
+          <a:chExt cx="0" cy="0"/>
+        </a:xfrm>
+      </p:grpSpPr>
+      <p:sp>
+        <p:nvSpPr>
+          <p:cNvPr id="2" name="Title 1">
+            <a:extLst>
+              <a:ext uri="{FF2B5EF4-FFF2-40B4-BE49-F238E27FC236}">
+                <a16:creationId xmlns:a16="http://schemas.microsoft.com/office/drawing/2014/main" id="{38961427-FD52-4253-A433-6A706D19B318}"/>
+              </a:ext>
+            </a:extLst>
+          </p:cNvPr>
+          <p:cNvSpPr>
+            <a:spLocks noGrp="1"/>
+          </p:cNvSpPr>
+          <p:nvPr>
+            <p:ph type="title"/>
+          </p:nvPr>
+        </p:nvSpPr>
+        <p:spPr/>
+        <p:txBody>
+          <a:bodyPr/>
+          <a:lstStyle/>
+          <a:p>
+            <a:endParaRPr lang="en-US"/>
+          </a:p>
+        </p:txBody>
+      </p:sp>
+      <p:pic>
+        <p:nvPicPr>
+          <p:cNvPr id="4098" name="Picture 2" descr="Image result for caruso parking">
+            <a:extLst>
+              <a:ext uri="{FF2B5EF4-FFF2-40B4-BE49-F238E27FC236}">
+                <a16:creationId xmlns:a16="http://schemas.microsoft.com/office/drawing/2014/main" id="{163200EF-D95D-4003-AE54-47543EFD152F}"/>
+              </a:ext>
+            </a:extLst>
+          </p:cNvPr>
+          <p:cNvPicPr>
+            <a:picLocks noGrp="1" noChangeAspect="1" noChangeArrowheads="1"/>
+          </p:cNvPicPr>
+          <p:nvPr>
+            <p:ph idx="1"/>
+          </p:nvPr>
+        </p:nvPicPr>
+        <p:blipFill>
+          <a:blip r:embed="rId2">
+            <a:extLst>
+              <a:ext uri="{28A0092B-C50C-407E-A947-70E740481C1C}">
+                <a14:useLocalDpi xmlns:a14="http://schemas.microsoft.com/office/drawing/2010/main" val="0"/>
+              </a:ext>
+            </a:extLst>
+          </a:blip>
+          <a:srcRect/>
+          <a:stretch>
+            <a:fillRect/>
+          </a:stretch>
+        </p:blipFill>
+        <p:spPr bwMode="auto">
+          <a:xfrm>
+            <a:off x="1393924" y="-5680872"/>
+            <a:ext cx="9404152" cy="12538872"/>
+          </a:xfrm>
+          <a:prstGeom prst="rect">
+            <a:avLst/>
+          </a:prstGeom>
+          <a:noFill/>
+          <a:extLst>
+            <a:ext uri="{909E8E84-426E-40DD-AFC4-6F175D3DCCD1}">
+              <a14:hiddenFill xmlns:a14="http://schemas.microsoft.com/office/drawing/2010/main">
+                <a:solidFill>
+                  <a:srgbClr val="FFFFFF"/>
+                </a:solidFill>
+              </a14:hiddenFill>
+            </a:ext>
+          </a:extLst>
+        </p:spPr>
+      </p:pic>
+    </p:spTree>
+    <p:extLst>
+      <p:ext uri="{BB962C8B-B14F-4D97-AF65-F5344CB8AC3E}">
+        <p14:creationId xmlns:p14="http://schemas.microsoft.com/office/powerpoint/2010/main" val="3595585462"/>
+      </p:ext>
+    </p:extLst>
+  </p:cSld>
+  <p:clrMapOvr>
+    <a:masterClrMapping/>
+  </p:clrMapOvr>
+</p:sld>
+</file>
+
+<file path=ppt/slides/slide13.xml><?xml version="1.0" encoding="utf-8"?>
+<p:sld xmlns:a="http://schemas.openxmlformats.org/drawingml/2006/main" xmlns:r="http://schemas.openxmlformats.org/officeDocument/2006/relationships" xmlns:p="http://schemas.openxmlformats.org/presentationml/2006/main">
+  <p:cSld>
+    <p:spTree>
+      <p:nvGrpSpPr>
+        <p:cNvPr id="1" name=""/>
+        <p:cNvGrpSpPr/>
+        <p:nvPr/>
+      </p:nvGrpSpPr>
+      <p:grpSpPr>
+        <a:xfrm>
+          <a:off x="0" y="0"/>
+          <a:ext cx="0" cy="0"/>
+          <a:chOff x="0" y="0"/>
+          <a:chExt cx="0" cy="0"/>
+        </a:xfrm>
+      </p:grpSpPr>
+      <p:sp>
+        <p:nvSpPr>
+          <p:cNvPr id="2" name="Title 1">
+            <a:extLst>
+              <a:ext uri="{FF2B5EF4-FFF2-40B4-BE49-F238E27FC236}">
+                <a16:creationId xmlns:a16="http://schemas.microsoft.com/office/drawing/2014/main" id="{B41ED4EE-BAFD-467D-804F-688E04C14E60}"/>
+              </a:ext>
+            </a:extLst>
+          </p:cNvPr>
+          <p:cNvSpPr>
+            <a:spLocks noGrp="1"/>
+          </p:cNvSpPr>
+          <p:nvPr>
+            <p:ph type="title"/>
+          </p:nvPr>
+        </p:nvSpPr>
+        <p:spPr/>
+        <p:txBody>
+          <a:bodyPr/>
+          <a:lstStyle/>
+          <a:p>
+            <a:endParaRPr lang="en-US"/>
+          </a:p>
+        </p:txBody>
+      </p:sp>
+      <p:sp>
+        <p:nvSpPr>
+          <p:cNvPr id="3" name="Content Placeholder 2">
+            <a:extLst>
+              <a:ext uri="{FF2B5EF4-FFF2-40B4-BE49-F238E27FC236}">
+                <a16:creationId xmlns:a16="http://schemas.microsoft.com/office/drawing/2014/main" id="{D10E5D33-9D94-4000-A211-69CEC07148B2}"/>
+              </a:ext>
+            </a:extLst>
+          </p:cNvPr>
+          <p:cNvSpPr>
+            <a:spLocks noGrp="1"/>
+          </p:cNvSpPr>
+          <p:nvPr>
+            <p:ph idx="1"/>
+          </p:nvPr>
+        </p:nvSpPr>
+        <p:spPr/>
+        <p:txBody>
+          <a:bodyPr/>
+          <a:lstStyle/>
+          <a:p>
+            <a:r>
+              <a:rPr lang="en-US" dirty="0"/>
+              <a:t>We also wanted to analyze which part of town needs more parking spaces based on the availability and popularity of the current parking meters.</a:t>
+            </a:r>
+          </a:p>
+          <a:p>
+            <a:r>
+              <a:rPr lang="en-US" dirty="0"/>
+              <a:t>Using this, we may be able to find which part of town requires electric charging spots.</a:t>
+            </a:r>
+          </a:p>
+          <a:p>
+            <a:r>
+              <a:rPr lang="en-US" dirty="0"/>
+              <a:t>This will incentivize people to drive electric cars.</a:t>
+            </a:r>
+          </a:p>
+          <a:p>
+            <a:endParaRPr lang="en-US" dirty="0"/>
+          </a:p>
+        </p:txBody>
+      </p:sp>
+    </p:spTree>
+    <p:extLst>
+      <p:ext uri="{BB962C8B-B14F-4D97-AF65-F5344CB8AC3E}">
+        <p14:creationId xmlns:p14="http://schemas.microsoft.com/office/powerpoint/2010/main" val="1573276362"/>
+      </p:ext>
+    </p:extLst>
+  </p:cSld>
+  <p:clrMapOvr>
+    <a:masterClrMapping/>
+  </p:clrMapOvr>
+</p:sld>
+</file>
+
 <file path=ppt/slides/slide2.xml><?xml version="1.0" encoding="utf-8"?>
 <p:sld xmlns:a="http://schemas.openxmlformats.org/drawingml/2006/main" xmlns:r="http://schemas.openxmlformats.org/officeDocument/2006/relationships" xmlns:p="http://schemas.openxmlformats.org/presentationml/2006/main">
   <p:cSld>
@@ -4024,7 +4468,7 @@
         <p:spPr/>
         <p:txBody>
           <a:bodyPr>
-            <a:normAutofit fontScale="70000" lnSpcReduction="20000"/>
+            <a:normAutofit fontScale="85000" lnSpcReduction="10000"/>
           </a:bodyPr>
           <a:lstStyle/>
           <a:p>
@@ -4090,12 +4534,6 @@
           </a:p>
           <a:p>
             <a:endParaRPr lang="en-US" dirty="0"/>
-          </a:p>
-          <a:p>
-            <a:r>
-              <a:rPr lang="en-US" dirty="0"/>
-              <a:t>We also wanted people to use the application for checking which street parking spaces were available.</a:t>
-            </a:r>
           </a:p>
           <a:p>
             <a:endParaRPr lang="en-US" dirty="0"/>
@@ -4140,6 +4578,331 @@
           <p:cNvPr id="2" name="Title 1">
             <a:extLst>
               <a:ext uri="{FF2B5EF4-FFF2-40B4-BE49-F238E27FC236}">
+                <a16:creationId xmlns:a16="http://schemas.microsoft.com/office/drawing/2014/main" id="{BB3A44DA-E6DB-4810-9338-3577B77C8926}"/>
+              </a:ext>
+            </a:extLst>
+          </p:cNvPr>
+          <p:cNvSpPr>
+            <a:spLocks noGrp="1"/>
+          </p:cNvSpPr>
+          <p:nvPr>
+            <p:ph type="title"/>
+          </p:nvPr>
+        </p:nvSpPr>
+        <p:spPr/>
+        <p:txBody>
+          <a:bodyPr/>
+          <a:lstStyle/>
+          <a:p>
+            <a:r>
+              <a:rPr lang="en-US" dirty="0"/>
+              <a:t>Focus</a:t>
+            </a:r>
+          </a:p>
+        </p:txBody>
+      </p:sp>
+      <p:sp>
+        <p:nvSpPr>
+          <p:cNvPr id="3" name="Content Placeholder 2">
+            <a:extLst>
+              <a:ext uri="{FF2B5EF4-FFF2-40B4-BE49-F238E27FC236}">
+                <a16:creationId xmlns:a16="http://schemas.microsoft.com/office/drawing/2014/main" id="{EDE22317-41FB-401A-8422-B79C4DF21550}"/>
+              </a:ext>
+            </a:extLst>
+          </p:cNvPr>
+          <p:cNvSpPr>
+            <a:spLocks noGrp="1"/>
+          </p:cNvSpPr>
+          <p:nvPr>
+            <p:ph idx="1"/>
+          </p:nvPr>
+        </p:nvSpPr>
+        <p:spPr/>
+        <p:txBody>
+          <a:bodyPr>
+            <a:normAutofit/>
+          </a:bodyPr>
+          <a:lstStyle/>
+          <a:p>
+            <a:r>
+              <a:rPr lang="en-US" sz="4800" dirty="0"/>
+              <a:t>REDUCING CARBON FOOTPRINT</a:t>
+            </a:r>
+          </a:p>
+        </p:txBody>
+      </p:sp>
+    </p:spTree>
+    <p:extLst>
+      <p:ext uri="{BB962C8B-B14F-4D97-AF65-F5344CB8AC3E}">
+        <p14:creationId xmlns:p14="http://schemas.microsoft.com/office/powerpoint/2010/main" val="2648631528"/>
+      </p:ext>
+    </p:extLst>
+  </p:cSld>
+  <p:clrMapOvr>
+    <a:masterClrMapping/>
+  </p:clrMapOvr>
+  <p:timing>
+    <p:tnLst>
+      <p:par>
+        <p:cTn id="1" dur="indefinite" restart="never" nodeType="tmRoot">
+          <p:childTnLst>
+            <p:seq concurrent="1" nextAc="seek">
+              <p:cTn id="2" dur="indefinite" nodeType="mainSeq">
+                <p:childTnLst>
+                  <p:par>
+                    <p:cTn id="3" fill="hold">
+                      <p:stCondLst>
+                        <p:cond delay="indefinite"/>
+                      </p:stCondLst>
+                      <p:childTnLst>
+                        <p:par>
+                          <p:cTn id="4" fill="hold">
+                            <p:stCondLst>
+                              <p:cond delay="0"/>
+                            </p:stCondLst>
+                            <p:childTnLst>
+                              <p:par>
+                                <p:cTn id="5" presetID="2" presetClass="entr" presetSubtype="4" fill="hold" grpId="0" nodeType="clickEffect">
+                                  <p:stCondLst>
+                                    <p:cond delay="0"/>
+                                  </p:stCondLst>
+                                  <p:childTnLst>
+                                    <p:set>
+                                      <p:cBhvr>
+                                        <p:cTn id="6" dur="1" fill="hold">
+                                          <p:stCondLst>
+                                            <p:cond delay="0"/>
+                                          </p:stCondLst>
+                                        </p:cTn>
+                                        <p:tgtEl>
+                                          <p:spTgt spid="3">
+                                            <p:txEl>
+                                              <p:pRg st="0" end="0"/>
+                                            </p:txEl>
+                                          </p:spTgt>
+                                        </p:tgtEl>
+                                        <p:attrNameLst>
+                                          <p:attrName>style.visibility</p:attrName>
+                                        </p:attrNameLst>
+                                      </p:cBhvr>
+                                      <p:to>
+                                        <p:strVal val="visible"/>
+                                      </p:to>
+                                    </p:set>
+                                    <p:anim calcmode="lin" valueType="num">
+                                      <p:cBhvr additive="base">
+                                        <p:cTn id="7" dur="500" fill="hold"/>
+                                        <p:tgtEl>
+                                          <p:spTgt spid="3">
+                                            <p:txEl>
+                                              <p:pRg st="0" end="0"/>
+                                            </p:txEl>
+                                          </p:spTgt>
+                                        </p:tgtEl>
+                                        <p:attrNameLst>
+                                          <p:attrName>ppt_x</p:attrName>
+                                        </p:attrNameLst>
+                                      </p:cBhvr>
+                                      <p:tavLst>
+                                        <p:tav tm="0">
+                                          <p:val>
+                                            <p:strVal val="#ppt_x"/>
+                                          </p:val>
+                                        </p:tav>
+                                        <p:tav tm="100000">
+                                          <p:val>
+                                            <p:strVal val="#ppt_x"/>
+                                          </p:val>
+                                        </p:tav>
+                                      </p:tavLst>
+                                    </p:anim>
+                                    <p:anim calcmode="lin" valueType="num">
+                                      <p:cBhvr additive="base">
+                                        <p:cTn id="8" dur="500" fill="hold"/>
+                                        <p:tgtEl>
+                                          <p:spTgt spid="3">
+                                            <p:txEl>
+                                              <p:pRg st="0" end="0"/>
+                                            </p:txEl>
+                                          </p:spTgt>
+                                        </p:tgtEl>
+                                        <p:attrNameLst>
+                                          <p:attrName>ppt_y</p:attrName>
+                                        </p:attrNameLst>
+                                      </p:cBhvr>
+                                      <p:tavLst>
+                                        <p:tav tm="0">
+                                          <p:val>
+                                            <p:strVal val="1+#ppt_h/2"/>
+                                          </p:val>
+                                        </p:tav>
+                                        <p:tav tm="100000">
+                                          <p:val>
+                                            <p:strVal val="#ppt_y"/>
+                                          </p:val>
+                                        </p:tav>
+                                      </p:tavLst>
+                                    </p:anim>
+                                  </p:childTnLst>
+                                </p:cTn>
+                              </p:par>
+                            </p:childTnLst>
+                          </p:cTn>
+                        </p:par>
+                      </p:childTnLst>
+                    </p:cTn>
+                  </p:par>
+                </p:childTnLst>
+              </p:cTn>
+              <p:prevCondLst>
+                <p:cond evt="onPrev" delay="0">
+                  <p:tgtEl>
+                    <p:sldTgt/>
+                  </p:tgtEl>
+                </p:cond>
+              </p:prevCondLst>
+              <p:nextCondLst>
+                <p:cond evt="onNext" delay="0">
+                  <p:tgtEl>
+                    <p:sldTgt/>
+                  </p:tgtEl>
+                </p:cond>
+              </p:nextCondLst>
+            </p:seq>
+          </p:childTnLst>
+        </p:cTn>
+      </p:par>
+    </p:tnLst>
+    <p:bldLst>
+      <p:bldP spid="3" grpId="0" build="p"/>
+    </p:bldLst>
+  </p:timing>
+</p:sld>
+</file>
+
+<file path=ppt/slides/slide5.xml><?xml version="1.0" encoding="utf-8"?>
+<p:sld xmlns:a="http://schemas.openxmlformats.org/drawingml/2006/main" xmlns:r="http://schemas.openxmlformats.org/officeDocument/2006/relationships" xmlns:p="http://schemas.openxmlformats.org/presentationml/2006/main">
+  <p:cSld>
+    <p:spTree>
+      <p:nvGrpSpPr>
+        <p:cNvPr id="1" name=""/>
+        <p:cNvGrpSpPr/>
+        <p:nvPr/>
+      </p:nvGrpSpPr>
+      <p:grpSpPr>
+        <a:xfrm>
+          <a:off x="0" y="0"/>
+          <a:ext cx="0" cy="0"/>
+          <a:chOff x="0" y="0"/>
+          <a:chExt cx="0" cy="0"/>
+        </a:xfrm>
+      </p:grpSpPr>
+      <p:sp>
+        <p:nvSpPr>
+          <p:cNvPr id="2" name="Title 1">
+            <a:extLst>
+              <a:ext uri="{FF2B5EF4-FFF2-40B4-BE49-F238E27FC236}">
+                <a16:creationId xmlns:a16="http://schemas.microsoft.com/office/drawing/2014/main" id="{F4B13BE6-DC21-4CE4-9492-AD2F04D20182}"/>
+              </a:ext>
+            </a:extLst>
+          </p:cNvPr>
+          <p:cNvSpPr>
+            <a:spLocks noGrp="1"/>
+          </p:cNvSpPr>
+          <p:nvPr>
+            <p:ph type="title"/>
+          </p:nvPr>
+        </p:nvSpPr>
+        <p:spPr/>
+        <p:txBody>
+          <a:bodyPr/>
+          <a:lstStyle/>
+          <a:p>
+            <a:r>
+              <a:rPr lang="en-US" dirty="0"/>
+              <a:t>How</a:t>
+            </a:r>
+          </a:p>
+        </p:txBody>
+      </p:sp>
+      <p:sp>
+        <p:nvSpPr>
+          <p:cNvPr id="3" name="Content Placeholder 2">
+            <a:extLst>
+              <a:ext uri="{FF2B5EF4-FFF2-40B4-BE49-F238E27FC236}">
+                <a16:creationId xmlns:a16="http://schemas.microsoft.com/office/drawing/2014/main" id="{3BACED27-8C74-45ED-851C-625125F568E4}"/>
+              </a:ext>
+            </a:extLst>
+          </p:cNvPr>
+          <p:cNvSpPr>
+            <a:spLocks noGrp="1"/>
+          </p:cNvSpPr>
+          <p:nvPr>
+            <p:ph idx="1"/>
+          </p:nvPr>
+        </p:nvSpPr>
+        <p:spPr/>
+        <p:txBody>
+          <a:bodyPr/>
+          <a:lstStyle/>
+          <a:p>
+            <a:r>
+              <a:rPr lang="en-US" dirty="0"/>
+              <a:t>We wanted people to use the application for checking which street parking spaces were available.</a:t>
+            </a:r>
+          </a:p>
+          <a:p>
+            <a:r>
+              <a:rPr lang="en-US" dirty="0"/>
+              <a:t>It will locate parking meters in real-time which ones are vacant and users will be able to see which streets to go first to find parking.</a:t>
+            </a:r>
+          </a:p>
+          <a:p>
+            <a:r>
+              <a:rPr lang="en-US" dirty="0"/>
+              <a:t>This will reduce the need to wonder around the town looking for a parking space and help make decision of driving or taking public transport.</a:t>
+            </a:r>
+          </a:p>
+          <a:p>
+            <a:endParaRPr lang="en-US" dirty="0"/>
+          </a:p>
+        </p:txBody>
+      </p:sp>
+    </p:spTree>
+    <p:extLst>
+      <p:ext uri="{BB962C8B-B14F-4D97-AF65-F5344CB8AC3E}">
+        <p14:creationId xmlns:p14="http://schemas.microsoft.com/office/powerpoint/2010/main" val="1386022250"/>
+      </p:ext>
+    </p:extLst>
+  </p:cSld>
+  <p:clrMapOvr>
+    <a:masterClrMapping/>
+  </p:clrMapOvr>
+</p:sld>
+</file>
+
+<file path=ppt/slides/slide6.xml><?xml version="1.0" encoding="utf-8"?>
+<p:sld xmlns:a="http://schemas.openxmlformats.org/drawingml/2006/main" xmlns:r="http://schemas.openxmlformats.org/officeDocument/2006/relationships" xmlns:p="http://schemas.openxmlformats.org/presentationml/2006/main">
+  <p:cSld>
+    <p:spTree>
+      <p:nvGrpSpPr>
+        <p:cNvPr id="1" name=""/>
+        <p:cNvGrpSpPr/>
+        <p:nvPr/>
+      </p:nvGrpSpPr>
+      <p:grpSpPr>
+        <a:xfrm>
+          <a:off x="0" y="0"/>
+          <a:ext cx="0" cy="0"/>
+          <a:chOff x="0" y="0"/>
+          <a:chExt cx="0" cy="0"/>
+        </a:xfrm>
+      </p:grpSpPr>
+      <p:sp>
+        <p:nvSpPr>
+          <p:cNvPr id="2" name="Title 1">
+            <a:extLst>
+              <a:ext uri="{FF2B5EF4-FFF2-40B4-BE49-F238E27FC236}">
                 <a16:creationId xmlns:a16="http://schemas.microsoft.com/office/drawing/2014/main" id="{532F56F8-CD9C-4DD9-8576-03080FAAAB05}"/>
               </a:ext>
             </a:extLst>
@@ -4193,12 +4956,6 @@
             <a:r>
               <a:rPr lang="en-US" dirty="0"/>
               <a:t>We used the transaction time and transaction amount (in cents) to check how long people are typically staying for based on time of day.</a:t>
-            </a:r>
-          </a:p>
-          <a:p>
-            <a:r>
-              <a:rPr lang="en-US" dirty="0"/>
-              <a:t>We hoped that we could change the parking meter’s max time or price to increase flow.</a:t>
             </a:r>
           </a:p>
         </p:txBody>
@@ -4216,7 +4973,7 @@
 </p:sld>
 </file>
 
-<file path=ppt/slides/slide5.xml><?xml version="1.0" encoding="utf-8"?>
+<file path=ppt/slides/slide7.xml><?xml version="1.0" encoding="utf-8"?>
 <p:sld xmlns:a="http://schemas.openxmlformats.org/drawingml/2006/main" xmlns:r="http://schemas.openxmlformats.org/officeDocument/2006/relationships" xmlns:p="http://schemas.openxmlformats.org/presentationml/2006/main">
   <p:cSld>
     <p:bg>
@@ -4348,94 +5105,7 @@
 </p:sld>
 </file>
 
-<file path=ppt/slides/slide6.xml><?xml version="1.0" encoding="utf-8"?>
-<p:sld xmlns:a="http://schemas.openxmlformats.org/drawingml/2006/main" xmlns:r="http://schemas.openxmlformats.org/officeDocument/2006/relationships" xmlns:p="http://schemas.openxmlformats.org/presentationml/2006/main">
-  <p:cSld>
-    <p:spTree>
-      <p:nvGrpSpPr>
-        <p:cNvPr id="1" name=""/>
-        <p:cNvGrpSpPr/>
-        <p:nvPr/>
-      </p:nvGrpSpPr>
-      <p:grpSpPr>
-        <a:xfrm>
-          <a:off x="0" y="0"/>
-          <a:ext cx="0" cy="0"/>
-          <a:chOff x="0" y="0"/>
-          <a:chExt cx="0" cy="0"/>
-        </a:xfrm>
-      </p:grpSpPr>
-      <p:sp>
-        <p:nvSpPr>
-          <p:cNvPr id="2" name="Title 1">
-            <a:extLst>
-              <a:ext uri="{FF2B5EF4-FFF2-40B4-BE49-F238E27FC236}">
-                <a16:creationId xmlns:a16="http://schemas.microsoft.com/office/drawing/2014/main" id="{38E5D86F-AC4A-47E2-BEEB-5362C7BBA2DE}"/>
-              </a:ext>
-            </a:extLst>
-          </p:cNvPr>
-          <p:cNvSpPr>
-            <a:spLocks noGrp="1"/>
-          </p:cNvSpPr>
-          <p:nvPr>
-            <p:ph type="title"/>
-          </p:nvPr>
-        </p:nvSpPr>
-        <p:spPr/>
-        <p:txBody>
-          <a:bodyPr/>
-          <a:lstStyle/>
-          <a:p>
-            <a:endParaRPr lang="en-US"/>
-          </a:p>
-        </p:txBody>
-      </p:sp>
-      <p:pic>
-        <p:nvPicPr>
-          <p:cNvPr id="4" name="Content Placeholder 3">
-            <a:extLst>
-              <a:ext uri="{FF2B5EF4-FFF2-40B4-BE49-F238E27FC236}">
-                <a16:creationId xmlns:a16="http://schemas.microsoft.com/office/drawing/2014/main" id="{FC340D06-067F-45A5-A27D-1BD54C2CFDF1}"/>
-              </a:ext>
-            </a:extLst>
-          </p:cNvPr>
-          <p:cNvPicPr>
-            <a:picLocks noGrp="1" noChangeAspect="1"/>
-          </p:cNvPicPr>
-          <p:nvPr>
-            <p:ph idx="1"/>
-          </p:nvPr>
-        </p:nvPicPr>
-        <p:blipFill>
-          <a:blip r:embed="rId2"/>
-          <a:stretch>
-            <a:fillRect/>
-          </a:stretch>
-        </p:blipFill>
-        <p:spPr>
-          <a:xfrm>
-            <a:off x="2499819" y="1825625"/>
-            <a:ext cx="7192361" cy="4351338"/>
-          </a:xfrm>
-          <a:prstGeom prst="rect">
-            <a:avLst/>
-          </a:prstGeom>
-        </p:spPr>
-      </p:pic>
-    </p:spTree>
-    <p:extLst>
-      <p:ext uri="{BB962C8B-B14F-4D97-AF65-F5344CB8AC3E}">
-        <p14:creationId xmlns:p14="http://schemas.microsoft.com/office/powerpoint/2010/main" val="2252355340"/>
-      </p:ext>
-    </p:extLst>
-  </p:cSld>
-  <p:clrMapOvr>
-    <a:masterClrMapping/>
-  </p:clrMapOvr>
-</p:sld>
-</file>
-
-<file path=ppt/slides/slide7.xml><?xml version="1.0" encoding="utf-8"?>
+<file path=ppt/slides/slide8.xml><?xml version="1.0" encoding="utf-8"?>
 <p:sld xmlns:a="http://schemas.openxmlformats.org/drawingml/2006/main" xmlns:r="http://schemas.openxmlformats.org/officeDocument/2006/relationships" xmlns:p="http://schemas.openxmlformats.org/presentationml/2006/main">
   <p:cSld>
     <p:spTree>
@@ -4522,150 +5192,6 @@
 </p:sld>
 </file>
 
-<file path=ppt/slides/slide8.xml><?xml version="1.0" encoding="utf-8"?>
-<p:sld xmlns:a="http://schemas.openxmlformats.org/drawingml/2006/main" xmlns:r="http://schemas.openxmlformats.org/officeDocument/2006/relationships" xmlns:p="http://schemas.openxmlformats.org/presentationml/2006/main">
-  <p:cSld>
-    <p:spTree>
-      <p:nvGrpSpPr>
-        <p:cNvPr id="1" name=""/>
-        <p:cNvGrpSpPr/>
-        <p:nvPr/>
-      </p:nvGrpSpPr>
-      <p:grpSpPr>
-        <a:xfrm>
-          <a:off x="0" y="0"/>
-          <a:ext cx="0" cy="0"/>
-          <a:chOff x="0" y="0"/>
-          <a:chExt cx="0" cy="0"/>
-        </a:xfrm>
-      </p:grpSpPr>
-      <p:sp>
-        <p:nvSpPr>
-          <p:cNvPr id="2" name="Title 1">
-            <a:extLst>
-              <a:ext uri="{FF2B5EF4-FFF2-40B4-BE49-F238E27FC236}">
-                <a16:creationId xmlns:a16="http://schemas.microsoft.com/office/drawing/2014/main" id="{75EE8B24-AB6E-419C-AD0F-ED9FC2DE9229}"/>
-              </a:ext>
-            </a:extLst>
-          </p:cNvPr>
-          <p:cNvSpPr>
-            <a:spLocks noGrp="1"/>
-          </p:cNvSpPr>
-          <p:nvPr>
-            <p:ph type="title"/>
-          </p:nvPr>
-        </p:nvSpPr>
-        <p:spPr/>
-        <p:txBody>
-          <a:bodyPr/>
-          <a:lstStyle/>
-          <a:p>
-            <a:endParaRPr lang="en-US" dirty="0"/>
-          </a:p>
-        </p:txBody>
-      </p:sp>
-      <p:sp>
-        <p:nvSpPr>
-          <p:cNvPr id="12" name="Content Placeholder 11">
-            <a:extLst>
-              <a:ext uri="{FF2B5EF4-FFF2-40B4-BE49-F238E27FC236}">
-                <a16:creationId xmlns:a16="http://schemas.microsoft.com/office/drawing/2014/main" id="{5EB4B77A-C4EC-4A8F-A9B8-6439712EF7F8}"/>
-              </a:ext>
-            </a:extLst>
-          </p:cNvPr>
-          <p:cNvSpPr>
-            <a:spLocks noGrp="1"/>
-          </p:cNvSpPr>
-          <p:nvPr>
-            <p:ph idx="1"/>
-          </p:nvPr>
-        </p:nvSpPr>
-        <p:spPr/>
-        <p:txBody>
-          <a:bodyPr>
-            <a:normAutofit lnSpcReduction="10000"/>
-          </a:bodyPr>
-          <a:lstStyle/>
-          <a:p>
-            <a:r>
-              <a:rPr lang="en-US" dirty="0"/>
-              <a:t>Average of transaction amount in the morning</a:t>
-            </a:r>
-          </a:p>
-          <a:p>
-            <a:pPr lvl="1"/>
-            <a:r>
-              <a:rPr lang="en-US" dirty="0"/>
-              <a:t>121.7834</a:t>
-            </a:r>
-          </a:p>
-          <a:p>
-            <a:r>
-              <a:rPr lang="en-US" dirty="0"/>
-              <a:t>Average of transaction amount in the noon</a:t>
-            </a:r>
-          </a:p>
-          <a:p>
-            <a:pPr lvl="1"/>
-            <a:r>
-              <a:rPr lang="en-US" dirty="0"/>
-              <a:t>119.1045</a:t>
-            </a:r>
-          </a:p>
-          <a:p>
-            <a:r>
-              <a:rPr lang="en-US" dirty="0"/>
-              <a:t>Average of transaction amount in the afternoon</a:t>
-            </a:r>
-          </a:p>
-          <a:p>
-            <a:pPr lvl="1"/>
-            <a:r>
-              <a:rPr lang="en-US" dirty="0"/>
-              <a:t>113.4936</a:t>
-            </a:r>
-          </a:p>
-          <a:p>
-            <a:r>
-              <a:rPr lang="en-US" dirty="0"/>
-              <a:t>Average of transaction amount in the evening</a:t>
-            </a:r>
-          </a:p>
-          <a:p>
-            <a:pPr lvl="1"/>
-            <a:r>
-              <a:rPr lang="en-US" dirty="0"/>
-              <a:t>81.42927</a:t>
-            </a:r>
-          </a:p>
-          <a:p>
-            <a:r>
-              <a:rPr lang="en-US" dirty="0"/>
-              <a:t>Average of transaction amount in the night</a:t>
-            </a:r>
-          </a:p>
-          <a:p>
-            <a:pPr lvl="1"/>
-            <a:r>
-              <a:rPr lang="en-US" dirty="0"/>
-              <a:t>20.2761</a:t>
-            </a:r>
-          </a:p>
-        </p:txBody>
-      </p:sp>
-    </p:spTree>
-    <p:extLst>
-      <p:ext uri="{BB962C8B-B14F-4D97-AF65-F5344CB8AC3E}">
-        <p14:creationId xmlns:p14="http://schemas.microsoft.com/office/powerpoint/2010/main" val="2964994768"/>
-      </p:ext>
-    </p:extLst>
-  </p:cSld>
-  <p:clrMapOvr>
-    <a:masterClrMapping/>
-  </p:clrMapOvr>
-</p:sld>
-</file>
-
 <file path=ppt/slides/slide9.xml><?xml version="1.0" encoding="utf-8"?>
 <p:sld xmlns:a="http://schemas.openxmlformats.org/drawingml/2006/main" xmlns:r="http://schemas.openxmlformats.org/officeDocument/2006/relationships" xmlns:p="http://schemas.openxmlformats.org/presentationml/2006/main">
   <p:cSld>
@@ -4688,7 +5214,7 @@
           <p:cNvPr id="2" name="Title 1">
             <a:extLst>
               <a:ext uri="{FF2B5EF4-FFF2-40B4-BE49-F238E27FC236}">
-                <a16:creationId xmlns:a16="http://schemas.microsoft.com/office/drawing/2014/main" id="{11A79F34-E803-4573-9C5A-027431093565}"/>
+                <a16:creationId xmlns:a16="http://schemas.microsoft.com/office/drawing/2014/main" id="{38E5D86F-AC4A-47E2-BEEB-5362C7BBA2DE}"/>
               </a:ext>
             </a:extLst>
           </p:cNvPr>
@@ -4708,50 +5234,42 @@
           </a:p>
         </p:txBody>
       </p:sp>
-      <p:sp>
-        <p:nvSpPr>
-          <p:cNvPr id="3" name="Content Placeholder 2">
-            <a:extLst>
-              <a:ext uri="{FF2B5EF4-FFF2-40B4-BE49-F238E27FC236}">
-                <a16:creationId xmlns:a16="http://schemas.microsoft.com/office/drawing/2014/main" id="{33F26C10-03A1-4D76-B195-1C04947FA627}"/>
-              </a:ext>
-            </a:extLst>
-          </p:cNvPr>
-          <p:cNvSpPr>
-            <a:spLocks noGrp="1"/>
-          </p:cNvSpPr>
+      <p:pic>
+        <p:nvPicPr>
+          <p:cNvPr id="4" name="Content Placeholder 3">
+            <a:extLst>
+              <a:ext uri="{FF2B5EF4-FFF2-40B4-BE49-F238E27FC236}">
+                <a16:creationId xmlns:a16="http://schemas.microsoft.com/office/drawing/2014/main" id="{FC340D06-067F-45A5-A27D-1BD54C2CFDF1}"/>
+              </a:ext>
+            </a:extLst>
+          </p:cNvPr>
+          <p:cNvPicPr>
+            <a:picLocks noGrp="1" noChangeAspect="1"/>
+          </p:cNvPicPr>
           <p:nvPr>
             <p:ph idx="1"/>
           </p:nvPr>
-        </p:nvSpPr>
-        <p:spPr/>
-        <p:txBody>
-          <a:bodyPr/>
-          <a:lstStyle/>
-          <a:p>
-            <a:r>
-              <a:rPr lang="en-US" dirty="0"/>
-              <a:t>Using this, we may be able to exponentialize pricing or reduce max parking times to create a better flow.</a:t>
-            </a:r>
-          </a:p>
-          <a:p>
-            <a:r>
-              <a:rPr lang="en-US" dirty="0"/>
-              <a:t>We also wanted to analyze which part of town needs more parking spaces based on the availability and popularity of the current parking meters.</a:t>
-            </a:r>
-          </a:p>
-          <a:p>
-            <a:r>
-              <a:rPr lang="en-US" dirty="0"/>
-              <a:t>Using this, we may be able to find which part of town requires electric charging spots.</a:t>
-            </a:r>
-          </a:p>
-        </p:txBody>
-      </p:sp>
+        </p:nvPicPr>
+        <p:blipFill>
+          <a:blip r:embed="rId2"/>
+          <a:stretch>
+            <a:fillRect/>
+          </a:stretch>
+        </p:blipFill>
+        <p:spPr>
+          <a:xfrm>
+            <a:off x="2499819" y="1825625"/>
+            <a:ext cx="7192361" cy="4351338"/>
+          </a:xfrm>
+          <a:prstGeom prst="rect">
+            <a:avLst/>
+          </a:prstGeom>
+        </p:spPr>
+      </p:pic>
     </p:spTree>
     <p:extLst>
       <p:ext uri="{BB962C8B-B14F-4D97-AF65-F5344CB8AC3E}">
-        <p14:creationId xmlns:p14="http://schemas.microsoft.com/office/powerpoint/2010/main" val="1875199235"/>
+        <p14:creationId xmlns:p14="http://schemas.microsoft.com/office/powerpoint/2010/main" val="2252355340"/>
       </p:ext>
     </p:extLst>
   </p:cSld>
